--- a/PowerPoints/Module_3/Module3_Fundamental_of_Java_Programming.pptx
+++ b/PowerPoints/Module_3/Module3_Fundamental_of_Java_Programming.pptx
@@ -335,7 +335,7 @@
             <a:fld id="{1D8BD707-D9CF-40AE-B4C6-C98DA3205C09}" type="datetimeFigureOut">
               <a:rPr lang="en-US" smtClean="0"/>
               <a:pPr/>
-              <a:t>7/17/2022</a:t>
+              <a:t>7/23/2022</a:t>
             </a:fld>
             <a:endParaRPr lang="en-US"/>
           </a:p>
@@ -502,7 +502,7 @@
             <a:fld id="{1D8BD707-D9CF-40AE-B4C6-C98DA3205C09}" type="datetimeFigureOut">
               <a:rPr lang="en-US" smtClean="0"/>
               <a:pPr/>
-              <a:t>7/17/2022</a:t>
+              <a:t>7/23/2022</a:t>
             </a:fld>
             <a:endParaRPr lang="en-US"/>
           </a:p>
@@ -679,7 +679,7 @@
             <a:fld id="{1D8BD707-D9CF-40AE-B4C6-C98DA3205C09}" type="datetimeFigureOut">
               <a:rPr lang="en-US" smtClean="0"/>
               <a:pPr/>
-              <a:t>7/17/2022</a:t>
+              <a:t>7/23/2022</a:t>
             </a:fld>
             <a:endParaRPr lang="en-US"/>
           </a:p>
@@ -846,7 +846,7 @@
             <a:fld id="{1D8BD707-D9CF-40AE-B4C6-C98DA3205C09}" type="datetimeFigureOut">
               <a:rPr lang="en-US" smtClean="0"/>
               <a:pPr/>
-              <a:t>7/17/2022</a:t>
+              <a:t>7/23/2022</a:t>
             </a:fld>
             <a:endParaRPr lang="en-US"/>
           </a:p>
@@ -1089,7 +1089,7 @@
             <a:fld id="{1D8BD707-D9CF-40AE-B4C6-C98DA3205C09}" type="datetimeFigureOut">
               <a:rPr lang="en-US" smtClean="0"/>
               <a:pPr/>
-              <a:t>7/17/2022</a:t>
+              <a:t>7/23/2022</a:t>
             </a:fld>
             <a:endParaRPr lang="en-US"/>
           </a:p>
@@ -1374,7 +1374,7 @@
             <a:fld id="{1D8BD707-D9CF-40AE-B4C6-C98DA3205C09}" type="datetimeFigureOut">
               <a:rPr lang="en-US" smtClean="0"/>
               <a:pPr/>
-              <a:t>7/17/2022</a:t>
+              <a:t>7/23/2022</a:t>
             </a:fld>
             <a:endParaRPr lang="en-US"/>
           </a:p>
@@ -1793,7 +1793,7 @@
             <a:fld id="{1D8BD707-D9CF-40AE-B4C6-C98DA3205C09}" type="datetimeFigureOut">
               <a:rPr lang="en-US" smtClean="0"/>
               <a:pPr/>
-              <a:t>7/17/2022</a:t>
+              <a:t>7/23/2022</a:t>
             </a:fld>
             <a:endParaRPr lang="en-US"/>
           </a:p>
@@ -1908,7 +1908,7 @@
             <a:fld id="{1D8BD707-D9CF-40AE-B4C6-C98DA3205C09}" type="datetimeFigureOut">
               <a:rPr lang="en-US" smtClean="0"/>
               <a:pPr/>
-              <a:t>7/17/2022</a:t>
+              <a:t>7/23/2022</a:t>
             </a:fld>
             <a:endParaRPr lang="en-US"/>
           </a:p>
@@ -2000,7 +2000,7 @@
             <a:fld id="{1D8BD707-D9CF-40AE-B4C6-C98DA3205C09}" type="datetimeFigureOut">
               <a:rPr lang="en-US" smtClean="0"/>
               <a:pPr/>
-              <a:t>7/17/2022</a:t>
+              <a:t>7/23/2022</a:t>
             </a:fld>
             <a:endParaRPr lang="en-US"/>
           </a:p>
@@ -2274,7 +2274,7 @@
             <a:fld id="{1D8BD707-D9CF-40AE-B4C6-C98DA3205C09}" type="datetimeFigureOut">
               <a:rPr lang="en-US" smtClean="0"/>
               <a:pPr/>
-              <a:t>7/17/2022</a:t>
+              <a:t>7/23/2022</a:t>
             </a:fld>
             <a:endParaRPr lang="en-US"/>
           </a:p>
@@ -2524,7 +2524,7 @@
             <a:fld id="{1D8BD707-D9CF-40AE-B4C6-C98DA3205C09}" type="datetimeFigureOut">
               <a:rPr lang="en-US" smtClean="0"/>
               <a:pPr/>
-              <a:t>7/17/2022</a:t>
+              <a:t>7/23/2022</a:t>
             </a:fld>
             <a:endParaRPr lang="en-US"/>
           </a:p>
@@ -2734,7 +2734,7 @@
             <a:fld id="{1D8BD707-D9CF-40AE-B4C6-C98DA3205C09}" type="datetimeFigureOut">
               <a:rPr lang="en-US" smtClean="0"/>
               <a:pPr/>
-              <a:t>7/17/2022</a:t>
+              <a:t>7/23/2022</a:t>
             </a:fld>
             <a:endParaRPr lang="en-US"/>
           </a:p>
@@ -3238,27 +3238,17 @@
               <a:rPr lang="en-US" dirty="0" smtClean="0"/>
               <a:t>; </a:t>
             </a:r>
-            <a:endParaRPr lang="en-US" dirty="0" smtClean="0"/>
-          </a:p>
-          <a:p>
-            <a:r>
-              <a:rPr lang="en-US" dirty="0" smtClean="0"/>
-              <a:t>otherwise </a:t>
-            </a:r>
-            <a:r>
-              <a:rPr lang="en-US" dirty="0" smtClean="0"/>
-              <a:t>it is of type int. </a:t>
-            </a:r>
-            <a:endParaRPr lang="en-US" dirty="0" smtClean="0"/>
-          </a:p>
-          <a:p>
-            <a:r>
-              <a:rPr lang="en-US" dirty="0" smtClean="0"/>
-              <a:t>It </a:t>
-            </a:r>
-            <a:r>
-              <a:rPr lang="en-US" dirty="0" smtClean="0"/>
-              <a:t>is recommended that you use the upper case letter L because the lower case letter </a:t>
+          </a:p>
+          <a:p>
+            <a:r>
+              <a:rPr lang="en-US" dirty="0" smtClean="0"/>
+              <a:t>otherwise it is of type int. </a:t>
+            </a:r>
+          </a:p>
+          <a:p>
+            <a:r>
+              <a:rPr lang="en-US" dirty="0" smtClean="0"/>
+              <a:t>It is recommended that you use the upper case letter L because the lower case letter </a:t>
             </a:r>
             <a:r>
               <a:rPr lang="en-US" i="1" dirty="0" smtClean="0"/>
@@ -6220,21 +6210,13 @@
           <a:p>
             <a:r>
               <a:rPr lang="en-US" dirty="0" smtClean="0"/>
-              <a:t>Unicode is a universal international standard character encoding that is capable of representing most of the world's written </a:t>
-            </a:r>
-            <a:r>
-              <a:rPr lang="en-US" dirty="0" smtClean="0"/>
-              <a:t>language</a:t>
-            </a:r>
-          </a:p>
-          <a:p>
-            <a:r>
-              <a:rPr lang="en-US" dirty="0" smtClean="0"/>
-              <a:t>Before Unicode, there were many language standards</a:t>
-            </a:r>
-            <a:r>
-              <a:rPr lang="en-US" dirty="0" smtClean="0"/>
-              <a:t>:</a:t>
+              <a:t>Unicode is a universal international standard character encoding that is capable of representing most of the world's written language</a:t>
+            </a:r>
+          </a:p>
+          <a:p>
+            <a:r>
+              <a:rPr lang="en-US" dirty="0" smtClean="0"/>
+              <a:t>Before Unicode, there were many language standards:</a:t>
             </a:r>
           </a:p>
           <a:p>
@@ -6294,13 +6276,8 @@
             </a:r>
             <a:r>
               <a:rPr lang="en-US" dirty="0" smtClean="0"/>
-              <a:t>, and so on</a:t>
-            </a:r>
-            <a:r>
-              <a:rPr lang="en-US" dirty="0" smtClean="0"/>
-              <a:t>.</a:t>
-            </a:r>
-            <a:endParaRPr lang="en-US" dirty="0" smtClean="0"/>
+              <a:t>, and so on.</a:t>
+            </a:r>
           </a:p>
         </p:txBody>
       </p:sp>
@@ -6381,21 +6358,13 @@
             </a:r>
             <a:r>
               <a:rPr lang="en-US" dirty="0" smtClean="0"/>
-              <a:t>\</a:t>
-            </a:r>
-            <a:r>
-              <a:rPr lang="en-US" dirty="0" smtClean="0"/>
-              <a:t>u0000</a:t>
+              <a:t>\u0000</a:t>
             </a:r>
           </a:p>
           <a:p>
             <a:r>
               <a:rPr lang="en-US" b="1" dirty="0" smtClean="0"/>
-              <a:t>highest </a:t>
-            </a:r>
-            <a:r>
-              <a:rPr lang="en-US" b="1" dirty="0" smtClean="0"/>
-              <a:t>value:</a:t>
+              <a:t>highest value:</a:t>
             </a:r>
             <a:r>
               <a:rPr lang="en-US" dirty="0" smtClean="0"/>
@@ -6613,11 +6582,7 @@
             </a:r>
             <a:r>
               <a:rPr lang="en-US" dirty="0" smtClean="0"/>
-              <a:t> will contain a memory address of variable values because the reference types won’t store the variable value directly in </a:t>
-            </a:r>
-            <a:r>
-              <a:rPr lang="en-US" dirty="0" smtClean="0"/>
-              <a:t>memory</a:t>
+              <a:t> will contain a memory address of variable values because the reference types won’t store the variable value directly in memory</a:t>
             </a:r>
           </a:p>
           <a:p>
@@ -6702,45 +6667,13 @@
           <a:p>
             <a:r>
               <a:rPr lang="en-US" dirty="0" smtClean="0"/>
-              <a:t>Class-&gt; A </a:t>
-            </a:r>
-            <a:r>
-              <a:rPr lang="en-US" dirty="0" smtClean="0"/>
-              <a:t>class is a user-defined blueprint or prototype from which objects are </a:t>
-            </a:r>
-            <a:r>
-              <a:rPr lang="en-US" dirty="0" smtClean="0"/>
-              <a:t>created, </a:t>
-            </a:r>
-            <a:r>
-              <a:rPr lang="en-US" dirty="0" smtClean="0"/>
-              <a:t>It represents the set of </a:t>
-            </a:r>
-            <a:r>
-              <a:rPr lang="en-US" dirty="0" smtClean="0"/>
-              <a:t>methods </a:t>
-            </a:r>
-            <a:r>
-              <a:rPr lang="en-US" dirty="0" smtClean="0"/>
-              <a:t>that are common to all objects of one </a:t>
-            </a:r>
-            <a:r>
-              <a:rPr lang="en-US" dirty="0" smtClean="0"/>
-              <a:t>type.</a:t>
-            </a:r>
-          </a:p>
-          <a:p>
-            <a:r>
-              <a:rPr lang="en-US" dirty="0" smtClean="0"/>
-              <a:t>Object-&gt;  It </a:t>
-            </a:r>
-            <a:r>
-              <a:rPr lang="en-US" dirty="0" smtClean="0"/>
-              <a:t>is a basic unit of Object-Oriented Programming and represents real-life entities.  A typical Java program creates many objects, which as you know, interact by invoking </a:t>
-            </a:r>
-            <a:r>
-              <a:rPr lang="en-US" dirty="0" smtClean="0"/>
-              <a:t>methods-&gt;State, </a:t>
+              <a:t>Class-&gt; A class is a user-defined blueprint or prototype from which objects are created, It represents the set of methods that are common to all objects of one type.</a:t>
+            </a:r>
+          </a:p>
+          <a:p>
+            <a:r>
+              <a:rPr lang="en-US" dirty="0" smtClean="0"/>
+              <a:t>Object-&gt;  It is a basic unit of Object-Oriented Programming and represents real-life entities.  A typical Java program creates many objects, which as you know, interact by invoking methods-&gt;State, </a:t>
             </a:r>
             <a:r>
               <a:rPr lang="en-US" dirty="0" err="1" smtClean="0"/>
@@ -6754,13 +6687,8 @@
           <a:p>
             <a:r>
               <a:rPr lang="en-US" dirty="0" smtClean="0"/>
-              <a:t>Arrays-&gt;</a:t>
-            </a:r>
-            <a:r>
-              <a:rPr lang="en-US" dirty="0" smtClean="0"/>
-              <a:t>An array is a group of like-typed variables that are referred to by a common name</a:t>
-            </a:r>
-            <a:endParaRPr lang="en-US" dirty="0" smtClean="0"/>
+              <a:t>Arrays-&gt;An array is a group of like-typed variables that are referred to by a common name</a:t>
+            </a:r>
           </a:p>
           <a:p>
             <a:endParaRPr lang="en-US" dirty="0"/>
@@ -6840,11 +6768,7 @@
             </a:r>
             <a:r>
               <a:rPr lang="en-US" dirty="0" smtClean="0"/>
-              <a:t>(instance) of class then space is reserved in heap </a:t>
-            </a:r>
-            <a:r>
-              <a:rPr lang="en-US" dirty="0" smtClean="0"/>
-              <a:t>memory</a:t>
+              <a:t>(instance) of class then space is reserved in heap memory</a:t>
             </a:r>
           </a:p>
           <a:p>
@@ -6860,7 +6784,6 @@
               <a:rPr lang="en-US" dirty="0" smtClean="0"/>
               <a:t>= new Vehicle();</a:t>
             </a:r>
-            <a:endParaRPr lang="en-US" dirty="0" smtClean="0"/>
           </a:p>
         </p:txBody>
       </p:sp>
@@ -8665,7 +8588,15 @@
           <a:p>
             <a:r>
               <a:rPr lang="en-US" sz="2200" dirty="0" smtClean="0"/>
-              <a:t>The conversion of primitive type to reference type is called </a:t>
+              <a:t>The conversion of primitive type to reference </a:t>
+            </a:r>
+            <a:r>
+              <a:rPr lang="en-US" sz="2200" dirty="0" smtClean="0"/>
+              <a:t>type/wrapper </a:t>
+            </a:r>
+            <a:r>
+              <a:rPr lang="en-US" sz="2200" dirty="0" smtClean="0"/>
+              <a:t>is called </a:t>
             </a:r>
             <a:r>
               <a:rPr lang="en-US" sz="2200" b="1" dirty="0" err="1" smtClean="0">
@@ -8675,7 +8606,15 @@
             </a:r>
             <a:r>
               <a:rPr lang="en-US" sz="2200" dirty="0" smtClean="0"/>
-              <a:t> and the conversion of reference type to primitive type is called </a:t>
+              <a:t> and the conversion of reference </a:t>
+            </a:r>
+            <a:r>
+              <a:rPr lang="en-US" sz="2200" dirty="0" smtClean="0"/>
+              <a:t>type/wrapper </a:t>
+            </a:r>
+            <a:r>
+              <a:rPr lang="en-US" sz="2200" dirty="0" smtClean="0"/>
+              <a:t>to primitive type is called </a:t>
             </a:r>
             <a:r>
               <a:rPr lang="en-US" sz="2200" b="1" dirty="0" err="1" smtClean="0">
@@ -8689,19 +8628,96 @@
             </a:r>
           </a:p>
           <a:p>
+            <a:endParaRPr lang="en-US" sz="2200" dirty="0" smtClean="0"/>
+          </a:p>
+          <a:p>
+            <a:r>
+              <a:rPr lang="en-US" sz="2400" b="1" dirty="0" err="1" smtClean="0"/>
+              <a:t>int</a:t>
+            </a:r>
+            <a:r>
+              <a:rPr lang="en-US" sz="2400" dirty="0" smtClean="0"/>
+              <a:t> a=50</a:t>
+            </a:r>
+            <a:r>
+              <a:rPr lang="en-US" sz="2400" dirty="0" smtClean="0"/>
+              <a:t>;</a:t>
+            </a:r>
+            <a:endParaRPr lang="en-US" sz="2200" dirty="0" smtClean="0"/>
+          </a:p>
+          <a:p>
+            <a:r>
+              <a:rPr lang="en-US" sz="2400" dirty="0" smtClean="0"/>
+              <a:t>Integer a2=</a:t>
+            </a:r>
+            <a:r>
+              <a:rPr lang="en-US" sz="2400" b="1" dirty="0" smtClean="0"/>
+              <a:t>new</a:t>
+            </a:r>
+            <a:r>
+              <a:rPr lang="en-US" sz="2400" dirty="0" smtClean="0"/>
+              <a:t> Integer(a</a:t>
+            </a:r>
+            <a:r>
+              <a:rPr lang="en-US" sz="2400" dirty="0" smtClean="0"/>
+              <a:t>)</a:t>
+            </a:r>
+          </a:p>
+          <a:p>
+            <a:endParaRPr lang="en-US" sz="2400" dirty="0" smtClean="0"/>
+          </a:p>
+          <a:p>
+            <a:r>
+              <a:rPr lang="en-US" sz="2400" dirty="0" smtClean="0"/>
+              <a:t> Integer </a:t>
+            </a:r>
+            <a:r>
+              <a:rPr lang="en-US" sz="2400" dirty="0" err="1" smtClean="0"/>
+              <a:t>i</a:t>
+            </a:r>
+            <a:r>
+              <a:rPr lang="en-US" sz="2400" dirty="0" smtClean="0"/>
+              <a:t>=</a:t>
+            </a:r>
+            <a:r>
+              <a:rPr lang="en-US" sz="2400" b="1" dirty="0" smtClean="0"/>
+              <a:t>new</a:t>
+            </a:r>
+            <a:r>
+              <a:rPr lang="en-US" sz="2400" dirty="0" smtClean="0"/>
+              <a:t> Integer(50);  </a:t>
+            </a:r>
+            <a:endParaRPr lang="en-US" sz="2200" dirty="0" smtClean="0"/>
+          </a:p>
+          <a:p>
             <a:pPr fontAlgn="base">
               <a:buNone/>
             </a:pPr>
+            <a:r>
+              <a:rPr lang="en-US" sz="2400" dirty="0" smtClean="0"/>
+              <a:t> </a:t>
+            </a:r>
+            <a:r>
+              <a:rPr lang="en-US" sz="2400" dirty="0" smtClean="0"/>
+              <a:t>     </a:t>
+            </a:r>
+            <a:r>
+              <a:rPr lang="en-US" sz="2400" b="1" dirty="0" err="1" smtClean="0"/>
+              <a:t>Int</a:t>
+            </a:r>
+            <a:r>
+              <a:rPr lang="en-US" sz="2400" dirty="0" smtClean="0"/>
+              <a:t> a=</a:t>
+            </a:r>
+            <a:r>
+              <a:rPr lang="en-US" sz="2400" dirty="0" err="1" smtClean="0"/>
+              <a:t>i</a:t>
+            </a:r>
+            <a:r>
+              <a:rPr lang="en-US" sz="2400" dirty="0" smtClean="0"/>
+              <a:t>; </a:t>
+            </a:r>
             <a:endParaRPr lang="en-US" sz="2200" dirty="0" smtClean="0"/>
-          </a:p>
-          <a:p>
-            <a:pPr fontAlgn="base">
-              <a:buNone/>
-            </a:pPr>
-            <a:r>
-              <a:rPr lang="en-US" sz="2200" dirty="0" smtClean="0"/>
-              <a:t>The Java compiler applies the feature: </a:t>
-            </a:r>
           </a:p>
           <a:p>
             <a:endParaRPr lang="en-US" dirty="0"/>
@@ -8775,26 +8791,17 @@
           <a:p>
             <a:r>
               <a:rPr lang="en-US" dirty="0" err="1" smtClean="0"/>
-              <a:t>b</a:t>
-            </a:r>
-            <a:r>
-              <a:rPr lang="en-US" dirty="0" err="1" smtClean="0"/>
-              <a:t>oolean</a:t>
+              <a:t>boolean</a:t>
             </a:r>
             <a:r>
               <a:rPr lang="en-US" dirty="0" smtClean="0"/>
               <a:t>                                     Boolean</a:t>
             </a:r>
-            <a:endParaRPr lang="en-US" dirty="0" smtClean="0"/>
-          </a:p>
-          <a:p>
-            <a:r>
-              <a:rPr lang="en-US" dirty="0" smtClean="0"/>
-              <a:t>b</a:t>
-            </a:r>
-            <a:r>
-              <a:rPr lang="en-US" dirty="0" smtClean="0"/>
-              <a:t>yte                                            </a:t>
+          </a:p>
+          <a:p>
+            <a:r>
+              <a:rPr lang="en-US" dirty="0" smtClean="0"/>
+              <a:t>byte                                            </a:t>
             </a:r>
             <a:r>
               <a:rPr lang="en-US" dirty="0" err="1" smtClean="0"/>
@@ -8805,22 +8812,13 @@
           <a:p>
             <a:r>
               <a:rPr lang="en-US" dirty="0" smtClean="0"/>
-              <a:t>c</a:t>
-            </a:r>
-            <a:r>
-              <a:rPr lang="en-US" dirty="0" smtClean="0"/>
-              <a:t>har                                         Character</a:t>
-            </a:r>
-            <a:endParaRPr lang="en-US" dirty="0" smtClean="0"/>
-          </a:p>
-          <a:p>
-            <a:r>
-              <a:rPr lang="en-US" dirty="0" smtClean="0"/>
-              <a:t>float </a:t>
-            </a:r>
-            <a:r>
-              <a:rPr lang="en-US" dirty="0" smtClean="0"/>
-              <a:t>                                         </a:t>
+              <a:t>char                                         Character</a:t>
+            </a:r>
+          </a:p>
+          <a:p>
+            <a:r>
+              <a:rPr lang="en-US" dirty="0" smtClean="0"/>
+              <a:t>float                                          </a:t>
             </a:r>
             <a:r>
               <a:rPr lang="en-US" dirty="0" err="1" smtClean="0"/>
@@ -8835,22 +8833,13 @@
             </a:r>
             <a:r>
               <a:rPr lang="en-US" dirty="0" smtClean="0"/>
-              <a:t> </a:t>
-            </a:r>
-            <a:r>
-              <a:rPr lang="en-US" dirty="0" smtClean="0"/>
-              <a:t>                                            Integer</a:t>
-            </a:r>
-            <a:endParaRPr lang="en-US" dirty="0" smtClean="0"/>
-          </a:p>
-          <a:p>
-            <a:r>
-              <a:rPr lang="en-US" dirty="0" smtClean="0"/>
-              <a:t>long </a:t>
-            </a:r>
-            <a:r>
-              <a:rPr lang="en-US" dirty="0" smtClean="0"/>
-              <a:t>                                          </a:t>
+              <a:t>                                             Integer</a:t>
+            </a:r>
+          </a:p>
+          <a:p>
+            <a:r>
+              <a:rPr lang="en-US" dirty="0" smtClean="0"/>
+              <a:t>long                                           </a:t>
             </a:r>
             <a:r>
               <a:rPr lang="en-US" dirty="0" err="1" smtClean="0"/>
@@ -8861,25 +8850,13 @@
           <a:p>
             <a:r>
               <a:rPr lang="en-US" dirty="0" smtClean="0"/>
-              <a:t>s</a:t>
-            </a:r>
-            <a:r>
-              <a:rPr lang="en-US" dirty="0" smtClean="0"/>
-              <a:t>hort                                        </a:t>
-            </a:r>
-            <a:r>
-              <a:rPr lang="en-US" dirty="0" smtClean="0"/>
-              <a:t> Short</a:t>
-            </a:r>
-          </a:p>
-          <a:p>
-            <a:r>
-              <a:rPr lang="en-US" dirty="0" smtClean="0"/>
-              <a:t>d</a:t>
-            </a:r>
-            <a:r>
-              <a:rPr lang="en-US" dirty="0" smtClean="0"/>
-              <a:t>ouble                                       </a:t>
+              <a:t>short                                         Short</a:t>
+            </a:r>
+          </a:p>
+          <a:p>
+            <a:r>
+              <a:rPr lang="en-US" dirty="0" smtClean="0"/>
+              <a:t>double                                       </a:t>
             </a:r>
             <a:r>
               <a:rPr lang="en-US" dirty="0" err="1" smtClean="0"/>
@@ -9730,24 +9707,14 @@
           <a:p>
             <a:r>
               <a:rPr lang="en-US" dirty="0" smtClean="0"/>
-              <a:t>Arithmetic </a:t>
-            </a:r>
-            <a:r>
-              <a:rPr lang="en-US" dirty="0" smtClean="0"/>
-              <a:t>operators(+,-,/,%,++,--)</a:t>
-            </a:r>
-            <a:endParaRPr lang="en-US" dirty="0" smtClean="0"/>
-          </a:p>
-          <a:p>
-            <a:r>
-              <a:rPr lang="en-US" dirty="0" smtClean="0"/>
-              <a:t>Assignment </a:t>
-            </a:r>
-            <a:r>
-              <a:rPr lang="en-US" dirty="0" smtClean="0"/>
-              <a:t>operators (=)</a:t>
-            </a:r>
-            <a:endParaRPr lang="en-US" dirty="0" smtClean="0"/>
+              <a:t>Arithmetic operators(+,-,/,%,++,--)</a:t>
+            </a:r>
+          </a:p>
+          <a:p>
+            <a:r>
+              <a:rPr lang="en-US" dirty="0" smtClean="0"/>
+              <a:t>Assignment operators (=)</a:t>
+            </a:r>
           </a:p>
           <a:p>
             <a:r>
@@ -9833,11 +9800,7 @@
           <a:p>
             <a:r>
               <a:rPr lang="en-US" b="1" dirty="0" smtClean="0"/>
-              <a:t>addition </a:t>
-            </a:r>
-            <a:r>
-              <a:rPr lang="en-US" b="1" dirty="0" smtClean="0"/>
-              <a:t>assignment</a:t>
+              <a:t>addition assignment</a:t>
             </a:r>
           </a:p>
           <a:p>
@@ -10174,221 +10137,67 @@
           <a:p>
             <a:r>
               <a:rPr lang="en-US" dirty="0" smtClean="0"/>
-              <a:t>=                     </a:t>
-            </a:r>
-            <a:r>
-              <a:rPr lang="en-US" dirty="0" smtClean="0"/>
-              <a:t>x = </a:t>
-            </a:r>
-            <a:r>
-              <a:rPr lang="en-US" dirty="0" smtClean="0"/>
-              <a:t>5                                  </a:t>
-            </a:r>
-            <a:r>
-              <a:rPr lang="en-US" dirty="0" smtClean="0"/>
-              <a:t>x = 5</a:t>
-            </a:r>
-            <a:endParaRPr lang="en-US" dirty="0" smtClean="0"/>
-          </a:p>
-          <a:p>
-            <a:r>
-              <a:rPr lang="en-US" dirty="0" smtClean="0"/>
-              <a:t>+=                    </a:t>
-            </a:r>
-            <a:r>
-              <a:rPr lang="en-US" dirty="0" smtClean="0"/>
-              <a:t>x += </a:t>
-            </a:r>
-            <a:r>
-              <a:rPr lang="en-US" dirty="0" smtClean="0"/>
-              <a:t>3                             </a:t>
-            </a:r>
-            <a:r>
-              <a:rPr lang="en-US" dirty="0" smtClean="0"/>
-              <a:t>x = x + 3</a:t>
-            </a:r>
-            <a:endParaRPr lang="en-US" dirty="0" smtClean="0"/>
-          </a:p>
-          <a:p>
-            <a:r>
-              <a:rPr lang="en-US" dirty="0" smtClean="0"/>
-              <a:t>-=                    </a:t>
-            </a:r>
-            <a:r>
-              <a:rPr lang="en-US" dirty="0" smtClean="0"/>
-              <a:t>x -= </a:t>
-            </a:r>
-            <a:r>
-              <a:rPr lang="en-US" dirty="0" smtClean="0"/>
-              <a:t>3                               </a:t>
-            </a:r>
-            <a:r>
-              <a:rPr lang="en-US" dirty="0" smtClean="0"/>
-              <a:t>x = x - 3</a:t>
-            </a:r>
-            <a:endParaRPr lang="en-US" dirty="0" smtClean="0"/>
-          </a:p>
-          <a:p>
-            <a:r>
-              <a:rPr lang="en-US" dirty="0" smtClean="0"/>
-              <a:t>*=                   </a:t>
-            </a:r>
-            <a:r>
-              <a:rPr lang="en-US" dirty="0" smtClean="0"/>
-              <a:t>x *= </a:t>
-            </a:r>
-            <a:r>
-              <a:rPr lang="en-US" dirty="0" smtClean="0"/>
-              <a:t>3                              </a:t>
-            </a:r>
-            <a:r>
-              <a:rPr lang="en-US" dirty="0" smtClean="0"/>
-              <a:t>x = x * 3</a:t>
-            </a:r>
-            <a:endParaRPr lang="en-US" dirty="0" smtClean="0"/>
-          </a:p>
-          <a:p>
-            <a:r>
-              <a:rPr lang="en-US" dirty="0" smtClean="0"/>
-              <a:t>/=                    </a:t>
-            </a:r>
-            <a:r>
-              <a:rPr lang="en-US" dirty="0" smtClean="0"/>
-              <a:t>x /= 3 </a:t>
-            </a:r>
-            <a:r>
-              <a:rPr lang="en-US" dirty="0" smtClean="0"/>
-              <a:t>                             x </a:t>
-            </a:r>
-            <a:r>
-              <a:rPr lang="en-US" dirty="0" smtClean="0"/>
-              <a:t>= x / 3</a:t>
-            </a:r>
-            <a:endParaRPr lang="en-US" dirty="0" smtClean="0"/>
-          </a:p>
-          <a:p>
-            <a:r>
-              <a:rPr lang="en-US" dirty="0" smtClean="0"/>
-              <a:t>&amp;</a:t>
-            </a:r>
-            <a:r>
-              <a:rPr lang="en-US" dirty="0" smtClean="0"/>
-              <a:t>                    x </a:t>
-            </a:r>
-            <a:r>
-              <a:rPr lang="en-US" dirty="0" smtClean="0"/>
-              <a:t>&amp;= </a:t>
-            </a:r>
-            <a:r>
-              <a:rPr lang="en-US" dirty="0" smtClean="0"/>
-              <a:t>3                              </a:t>
-            </a:r>
-            <a:r>
-              <a:rPr lang="en-US" dirty="0" smtClean="0"/>
-              <a:t>x = x &amp; 3</a:t>
-            </a:r>
-            <a:endParaRPr lang="en-US" dirty="0" smtClean="0"/>
-          </a:p>
-          <a:p>
-            <a:r>
-              <a:rPr lang="en-US" dirty="0" smtClean="0"/>
-              <a:t>%=                  </a:t>
-            </a:r>
-            <a:r>
-              <a:rPr lang="en-US" dirty="0" smtClean="0"/>
-              <a:t>x %= </a:t>
-            </a:r>
-            <a:r>
-              <a:rPr lang="en-US" dirty="0" smtClean="0"/>
-              <a:t>3                             </a:t>
-            </a:r>
-            <a:r>
-              <a:rPr lang="en-US" dirty="0" smtClean="0"/>
-              <a:t>x = x % 3</a:t>
-            </a:r>
-            <a:endParaRPr lang="en-US" dirty="0" smtClean="0"/>
-          </a:p>
-          <a:p>
-            <a:r>
-              <a:rPr lang="en-US" dirty="0" smtClean="0"/>
-              <a:t>|=</a:t>
-            </a:r>
-            <a:r>
-              <a:rPr lang="en-US" dirty="0" smtClean="0"/>
-              <a:t> </a:t>
-            </a:r>
-            <a:r>
-              <a:rPr lang="en-US" dirty="0" smtClean="0"/>
-              <a:t>                  x </a:t>
-            </a:r>
-            <a:r>
-              <a:rPr lang="en-US" dirty="0" smtClean="0"/>
-              <a:t>|= </a:t>
-            </a:r>
-            <a:r>
-              <a:rPr lang="en-US" dirty="0" smtClean="0"/>
-              <a:t>3                               x </a:t>
-            </a:r>
-            <a:r>
-              <a:rPr lang="en-US" dirty="0" smtClean="0"/>
-              <a:t>= x | 3</a:t>
-            </a:r>
-            <a:endParaRPr lang="en-US" dirty="0" smtClean="0"/>
-          </a:p>
-          <a:p>
-            <a:r>
-              <a:rPr lang="en-US" dirty="0" smtClean="0"/>
-              <a:t>^=                    x </a:t>
-            </a:r>
-            <a:r>
-              <a:rPr lang="en-US" dirty="0" smtClean="0"/>
-              <a:t>^= </a:t>
-            </a:r>
-            <a:r>
-              <a:rPr lang="en-US" dirty="0" smtClean="0"/>
-              <a:t>3                             x </a:t>
-            </a:r>
-            <a:r>
-              <a:rPr lang="en-US" dirty="0" smtClean="0"/>
-              <a:t>= x ^ 3</a:t>
-            </a:r>
-            <a:endParaRPr lang="en-US" dirty="0" smtClean="0"/>
-          </a:p>
-          <a:p>
-            <a:r>
-              <a:rPr lang="en-US" dirty="0" smtClean="0"/>
-              <a:t>&gt;&gt;=                 x </a:t>
-            </a:r>
-            <a:r>
-              <a:rPr lang="en-US" dirty="0" smtClean="0"/>
-              <a:t>&gt;&gt;= </a:t>
-            </a:r>
-            <a:r>
-              <a:rPr lang="en-US" dirty="0" smtClean="0"/>
-              <a:t>3                           x </a:t>
-            </a:r>
-            <a:r>
-              <a:rPr lang="en-US" dirty="0" smtClean="0"/>
-              <a:t>= x &gt;&gt; 3</a:t>
-            </a:r>
-            <a:endParaRPr lang="en-US" dirty="0" smtClean="0"/>
-          </a:p>
-          <a:p>
-            <a:r>
-              <a:rPr lang="en-US" dirty="0" smtClean="0"/>
-              <a:t>&lt;&lt;=                </a:t>
-            </a:r>
-            <a:r>
-              <a:rPr lang="en-US" dirty="0" smtClean="0"/>
-              <a:t>x &lt;&lt;= </a:t>
-            </a:r>
-            <a:r>
-              <a:rPr lang="en-US" dirty="0" smtClean="0"/>
-              <a:t>3                            </a:t>
-            </a:r>
-            <a:r>
-              <a:rPr lang="en-US" dirty="0" smtClean="0"/>
-              <a:t>x = x &lt;&lt; 3</a:t>
+              <a:t>=                     x = 5                                  x = 5</a:t>
+            </a:r>
+          </a:p>
+          <a:p>
+            <a:r>
+              <a:rPr lang="en-US" dirty="0" smtClean="0"/>
+              <a:t>+=                    x += 3                             x = x + 3</a:t>
+            </a:r>
+          </a:p>
+          <a:p>
+            <a:r>
+              <a:rPr lang="en-US" dirty="0" smtClean="0"/>
+              <a:t>-=                    x -= 3                               x = x - 3</a:t>
+            </a:r>
+          </a:p>
+          <a:p>
+            <a:r>
+              <a:rPr lang="en-US" dirty="0" smtClean="0"/>
+              <a:t>*=                   x *= 3                              x = x * 3</a:t>
+            </a:r>
+          </a:p>
+          <a:p>
+            <a:r>
+              <a:rPr lang="en-US" dirty="0" smtClean="0"/>
+              <a:t>/=                    x /= 3                              x = x / 3</a:t>
+            </a:r>
+          </a:p>
+          <a:p>
+            <a:r>
+              <a:rPr lang="en-US" dirty="0" smtClean="0"/>
+              <a:t>&amp;                    x &amp;= 3                              x = x &amp; 3</a:t>
+            </a:r>
+          </a:p>
+          <a:p>
+            <a:r>
+              <a:rPr lang="en-US" dirty="0" smtClean="0"/>
+              <a:t>%=                  x %= 3                             x = x % 3</a:t>
+            </a:r>
+          </a:p>
+          <a:p>
+            <a:r>
+              <a:rPr lang="en-US" dirty="0" smtClean="0"/>
+              <a:t>|=                   x |= 3                               x = x | 3</a:t>
+            </a:r>
+          </a:p>
+          <a:p>
+            <a:r>
+              <a:rPr lang="en-US" dirty="0" smtClean="0"/>
+              <a:t>^=                    x ^= 3                             x = x ^ 3</a:t>
+            </a:r>
+          </a:p>
+          <a:p>
+            <a:r>
+              <a:rPr lang="en-US" dirty="0" smtClean="0"/>
+              <a:t>&gt;&gt;=                 x &gt;&gt;= 3                           x = x &gt;&gt; 3</a:t>
+            </a:r>
+          </a:p>
+          <a:p>
+            <a:r>
+              <a:rPr lang="en-US" dirty="0" smtClean="0"/>
+              <a:t>&lt;&lt;=                x &lt;&lt;= 3                            x = x &lt;&lt; 3</a:t>
             </a:r>
             <a:endParaRPr lang="en-US" dirty="0"/>
           </a:p>
@@ -10572,14 +10381,12 @@
               <a:rPr lang="en-US" dirty="0" smtClean="0"/>
               <a:t>&amp;&amp; </a:t>
             </a:r>
-            <a:endParaRPr lang="en-US" dirty="0" smtClean="0"/>
           </a:p>
           <a:p>
             <a:r>
               <a:rPr lang="en-US" dirty="0" smtClean="0"/>
               <a:t>|| </a:t>
             </a:r>
-            <a:endParaRPr lang="en-US" dirty="0" smtClean="0"/>
           </a:p>
           <a:p>
             <a:r>
@@ -11397,15 +11204,7 @@
           <a:p>
             <a:r>
               <a:rPr lang="en-US" dirty="0" smtClean="0"/>
-              <a:t>b</a:t>
-            </a:r>
-            <a:r>
-              <a:rPr lang="en-US" dirty="0" smtClean="0"/>
-              <a:t>reak </a:t>
-            </a:r>
-            <a:r>
-              <a:rPr lang="en-US" dirty="0" smtClean="0"/>
-              <a:t>, case, </a:t>
+              <a:t>break , case, </a:t>
             </a:r>
             <a:r>
               <a:rPr lang="en-US" dirty="0" err="1" smtClean="0"/>
@@ -11649,11 +11448,7 @@
           <a:p>
             <a:r>
               <a:rPr lang="en-US" dirty="0" smtClean="0"/>
-              <a:t>String </a:t>
-            </a:r>
-            <a:r>
-              <a:rPr lang="en-US" dirty="0" smtClean="0"/>
-              <a:t>Literal</a:t>
+              <a:t>String Literal</a:t>
             </a:r>
           </a:p>
           <a:p>
@@ -11661,7 +11456,6 @@
               <a:rPr lang="en-US" dirty="0" smtClean="0"/>
               <a:t>Floating Point Literal</a:t>
             </a:r>
-            <a:endParaRPr lang="en-US" dirty="0" smtClean="0"/>
           </a:p>
           <a:p>
             <a:endParaRPr lang="en-US" dirty="0"/>

--- a/PowerPoints/Module_3/Module3_Fundamental_of_Java_Programming.pptx
+++ b/PowerPoints/Module_3/Module3_Fundamental_of_Java_Programming.pptx
@@ -47,11 +47,12 @@
     <p:sldId id="300" r:id="rId41"/>
     <p:sldId id="301" r:id="rId42"/>
     <p:sldId id="302" r:id="rId43"/>
-    <p:sldId id="275" r:id="rId44"/>
-    <p:sldId id="276" r:id="rId45"/>
-    <p:sldId id="277" r:id="rId46"/>
-    <p:sldId id="278" r:id="rId47"/>
-    <p:sldId id="279" r:id="rId48"/>
+    <p:sldId id="303" r:id="rId44"/>
+    <p:sldId id="275" r:id="rId45"/>
+    <p:sldId id="276" r:id="rId46"/>
+    <p:sldId id="277" r:id="rId47"/>
+    <p:sldId id="278" r:id="rId48"/>
+    <p:sldId id="279" r:id="rId49"/>
   </p:sldIdLst>
   <p:sldSz cx="9144000" cy="6858000" type="screen4x3"/>
   <p:notesSz cx="6858000" cy="9144000"/>
@@ -335,7 +336,7 @@
             <a:fld id="{1D8BD707-D9CF-40AE-B4C6-C98DA3205C09}" type="datetimeFigureOut">
               <a:rPr lang="en-US" smtClean="0"/>
               <a:pPr/>
-              <a:t>7/23/2022</a:t>
+              <a:t>7/24/2022</a:t>
             </a:fld>
             <a:endParaRPr lang="en-US"/>
           </a:p>
@@ -502,7 +503,7 @@
             <a:fld id="{1D8BD707-D9CF-40AE-B4C6-C98DA3205C09}" type="datetimeFigureOut">
               <a:rPr lang="en-US" smtClean="0"/>
               <a:pPr/>
-              <a:t>7/23/2022</a:t>
+              <a:t>7/24/2022</a:t>
             </a:fld>
             <a:endParaRPr lang="en-US"/>
           </a:p>
@@ -679,7 +680,7 @@
             <a:fld id="{1D8BD707-D9CF-40AE-B4C6-C98DA3205C09}" type="datetimeFigureOut">
               <a:rPr lang="en-US" smtClean="0"/>
               <a:pPr/>
-              <a:t>7/23/2022</a:t>
+              <a:t>7/24/2022</a:t>
             </a:fld>
             <a:endParaRPr lang="en-US"/>
           </a:p>
@@ -846,7 +847,7 @@
             <a:fld id="{1D8BD707-D9CF-40AE-B4C6-C98DA3205C09}" type="datetimeFigureOut">
               <a:rPr lang="en-US" smtClean="0"/>
               <a:pPr/>
-              <a:t>7/23/2022</a:t>
+              <a:t>7/24/2022</a:t>
             </a:fld>
             <a:endParaRPr lang="en-US"/>
           </a:p>
@@ -1089,7 +1090,7 @@
             <a:fld id="{1D8BD707-D9CF-40AE-B4C6-C98DA3205C09}" type="datetimeFigureOut">
               <a:rPr lang="en-US" smtClean="0"/>
               <a:pPr/>
-              <a:t>7/23/2022</a:t>
+              <a:t>7/24/2022</a:t>
             </a:fld>
             <a:endParaRPr lang="en-US"/>
           </a:p>
@@ -1374,7 +1375,7 @@
             <a:fld id="{1D8BD707-D9CF-40AE-B4C6-C98DA3205C09}" type="datetimeFigureOut">
               <a:rPr lang="en-US" smtClean="0"/>
               <a:pPr/>
-              <a:t>7/23/2022</a:t>
+              <a:t>7/24/2022</a:t>
             </a:fld>
             <a:endParaRPr lang="en-US"/>
           </a:p>
@@ -1793,7 +1794,7 @@
             <a:fld id="{1D8BD707-D9CF-40AE-B4C6-C98DA3205C09}" type="datetimeFigureOut">
               <a:rPr lang="en-US" smtClean="0"/>
               <a:pPr/>
-              <a:t>7/23/2022</a:t>
+              <a:t>7/24/2022</a:t>
             </a:fld>
             <a:endParaRPr lang="en-US"/>
           </a:p>
@@ -1908,7 +1909,7 @@
             <a:fld id="{1D8BD707-D9CF-40AE-B4C6-C98DA3205C09}" type="datetimeFigureOut">
               <a:rPr lang="en-US" smtClean="0"/>
               <a:pPr/>
-              <a:t>7/23/2022</a:t>
+              <a:t>7/24/2022</a:t>
             </a:fld>
             <a:endParaRPr lang="en-US"/>
           </a:p>
@@ -2000,7 +2001,7 @@
             <a:fld id="{1D8BD707-D9CF-40AE-B4C6-C98DA3205C09}" type="datetimeFigureOut">
               <a:rPr lang="en-US" smtClean="0"/>
               <a:pPr/>
-              <a:t>7/23/2022</a:t>
+              <a:t>7/24/2022</a:t>
             </a:fld>
             <a:endParaRPr lang="en-US"/>
           </a:p>
@@ -2274,7 +2275,7 @@
             <a:fld id="{1D8BD707-D9CF-40AE-B4C6-C98DA3205C09}" type="datetimeFigureOut">
               <a:rPr lang="en-US" smtClean="0"/>
               <a:pPr/>
-              <a:t>7/23/2022</a:t>
+              <a:t>7/24/2022</a:t>
             </a:fld>
             <a:endParaRPr lang="en-US"/>
           </a:p>
@@ -2524,7 +2525,7 @@
             <a:fld id="{1D8BD707-D9CF-40AE-B4C6-C98DA3205C09}" type="datetimeFigureOut">
               <a:rPr lang="en-US" smtClean="0"/>
               <a:pPr/>
-              <a:t>7/23/2022</a:t>
+              <a:t>7/24/2022</a:t>
             </a:fld>
             <a:endParaRPr lang="en-US"/>
           </a:p>
@@ -2734,7 +2735,7 @@
             <a:fld id="{1D8BD707-D9CF-40AE-B4C6-C98DA3205C09}" type="datetimeFigureOut">
               <a:rPr lang="en-US" smtClean="0"/>
               <a:pPr/>
-              <a:t>7/23/2022</a:t>
+              <a:t>7/24/2022</a:t>
             </a:fld>
             <a:endParaRPr lang="en-US"/>
           </a:p>
@@ -8588,15 +8589,7 @@
           <a:p>
             <a:r>
               <a:rPr lang="en-US" sz="2200" dirty="0" smtClean="0"/>
-              <a:t>The conversion of primitive type to reference </a:t>
-            </a:r>
-            <a:r>
-              <a:rPr lang="en-US" sz="2200" dirty="0" smtClean="0"/>
-              <a:t>type/wrapper </a:t>
-            </a:r>
-            <a:r>
-              <a:rPr lang="en-US" sz="2200" dirty="0" smtClean="0"/>
-              <a:t>is called </a:t>
+              <a:t>The conversion of primitive type to reference type/wrapper is called </a:t>
             </a:r>
             <a:r>
               <a:rPr lang="en-US" sz="2200" b="1" dirty="0" err="1" smtClean="0">
@@ -8606,15 +8599,7 @@
             </a:r>
             <a:r>
               <a:rPr lang="en-US" sz="2200" dirty="0" smtClean="0"/>
-              <a:t> and the conversion of reference </a:t>
-            </a:r>
-            <a:r>
-              <a:rPr lang="en-US" sz="2200" dirty="0" smtClean="0"/>
-              <a:t>type/wrapper </a:t>
-            </a:r>
-            <a:r>
-              <a:rPr lang="en-US" sz="2200" dirty="0" smtClean="0"/>
-              <a:t>to primitive type is called </a:t>
+              <a:t> and the conversion of reference type/wrapper to primitive type is called </a:t>
             </a:r>
             <a:r>
               <a:rPr lang="en-US" sz="2200" b="1" dirty="0" err="1" smtClean="0">
@@ -8637,11 +8622,7 @@
             </a:r>
             <a:r>
               <a:rPr lang="en-US" sz="2400" dirty="0" smtClean="0"/>
-              <a:t> a=50</a:t>
-            </a:r>
-            <a:r>
-              <a:rPr lang="en-US" sz="2400" dirty="0" smtClean="0"/>
-              <a:t>;</a:t>
+              <a:t> a=50;</a:t>
             </a:r>
             <a:endParaRPr lang="en-US" sz="2200" dirty="0" smtClean="0"/>
           </a:p>
@@ -8656,11 +8637,7 @@
             </a:r>
             <a:r>
               <a:rPr lang="en-US" sz="2400" dirty="0" smtClean="0"/>
-              <a:t> Integer(a</a:t>
-            </a:r>
-            <a:r>
-              <a:rPr lang="en-US" sz="2400" dirty="0" smtClean="0"/>
-              <a:t>)</a:t>
+              <a:t> Integer(a)</a:t>
             </a:r>
           </a:p>
           <a:p>
@@ -8695,11 +8672,7 @@
             </a:pPr>
             <a:r>
               <a:rPr lang="en-US" sz="2400" dirty="0" smtClean="0"/>
-              <a:t> </a:t>
-            </a:r>
-            <a:r>
-              <a:rPr lang="en-US" sz="2400" dirty="0" smtClean="0"/>
-              <a:t>     </a:t>
+              <a:t>      </a:t>
             </a:r>
             <a:r>
               <a:rPr lang="en-US" sz="2400" b="1" dirty="0" err="1" smtClean="0"/>
@@ -10439,7 +10412,7 @@
           <a:p>
             <a:r>
               <a:rPr lang="en-US" dirty="0" smtClean="0"/>
-              <a:t>Control structures</a:t>
+              <a:t>Pre and Post Increment/Decrement</a:t>
             </a:r>
             <a:endParaRPr lang="en-US" dirty="0"/>
           </a:p>
@@ -10458,48 +10431,130 @@
         <p:spPr/>
         <p:txBody>
           <a:bodyPr>
-            <a:normAutofit lnSpcReduction="10000"/>
+            <a:normAutofit fontScale="92500" lnSpcReduction="10000"/>
           </a:bodyPr>
           <a:lstStyle/>
           <a:p>
             <a:r>
               <a:rPr lang="en-US" dirty="0" smtClean="0"/>
-              <a:t>The </a:t>
-            </a:r>
-            <a:r>
-              <a:rPr lang="en-US" i="1" dirty="0" smtClean="0"/>
-              <a:t>while loop</a:t>
-            </a:r>
-            <a:r>
-              <a:rPr lang="en-US" dirty="0" smtClean="0"/>
-              <a:t> is used to iterate a part of the </a:t>
+              <a:t>++</a:t>
             </a:r>
             <a:r>
               <a:rPr lang="en-US" dirty="0" err="1" smtClean="0"/>
-              <a:t>programe</a:t>
-            </a:r>
-            <a:r>
-              <a:rPr lang="en-US" dirty="0" smtClean="0"/>
-              <a:t> repeatedly until the specified Boolean condition is true. </a:t>
-            </a:r>
-          </a:p>
-          <a:p>
-            <a:r>
-              <a:rPr lang="en-US" dirty="0" smtClean="0"/>
-              <a:t>When the Boolean condition becomes false, the loop automatically stops.</a:t>
-            </a:r>
-          </a:p>
-          <a:p>
-            <a:r>
-              <a:rPr lang="en-US" dirty="0" smtClean="0"/>
-              <a:t>The while loop is considered as a repeating if statement. </a:t>
-            </a:r>
-          </a:p>
-          <a:p>
-            <a:r>
-              <a:rPr lang="en-US" dirty="0" smtClean="0"/>
-              <a:t>If the number of iteration is not fixed, it is recommended to use the while loop</a:t>
-            </a:r>
+              <a:t>i</a:t>
+            </a:r>
+            <a:r>
+              <a:rPr lang="en-US" dirty="0" smtClean="0"/>
+              <a:t> and </a:t>
+            </a:r>
+            <a:r>
+              <a:rPr lang="en-US" dirty="0" err="1" smtClean="0"/>
+              <a:t>i</a:t>
+            </a:r>
+            <a:r>
+              <a:rPr lang="en-US" dirty="0" smtClean="0"/>
+              <a:t>++ both increment the value of </a:t>
+            </a:r>
+            <a:r>
+              <a:rPr lang="en-US" b="1" dirty="0" err="1" smtClean="0"/>
+              <a:t>i</a:t>
+            </a:r>
+            <a:r>
+              <a:rPr lang="en-US" dirty="0" smtClean="0"/>
+              <a:t> by </a:t>
+            </a:r>
+            <a:r>
+              <a:rPr lang="en-US" dirty="0" smtClean="0"/>
+              <a:t>1</a:t>
+            </a:r>
+          </a:p>
+          <a:p>
+            <a:r>
+              <a:rPr lang="en-US" dirty="0" smtClean="0"/>
+              <a:t>If </a:t>
+            </a:r>
+            <a:r>
+              <a:rPr lang="en-US" b="1" dirty="0" smtClean="0"/>
+              <a:t>++ </a:t>
+            </a:r>
+            <a:r>
+              <a:rPr lang="en-US" dirty="0" smtClean="0"/>
+              <a:t>precedes the variable, it is called pre-increment operator and it comes after a variable, it is called post-increment operator</a:t>
+            </a:r>
+            <a:r>
+              <a:rPr lang="en-US" dirty="0" smtClean="0"/>
+              <a:t>.</a:t>
+            </a:r>
+          </a:p>
+          <a:p>
+            <a:r>
+              <a:rPr lang="en-US" b="1" dirty="0" smtClean="0"/>
+              <a:t>Post-Increment (</a:t>
+            </a:r>
+            <a:r>
+              <a:rPr lang="en-US" b="1" dirty="0" err="1" smtClean="0"/>
+              <a:t>i</a:t>
+            </a:r>
+            <a:r>
+              <a:rPr lang="en-US" b="1" dirty="0" smtClean="0"/>
+              <a:t>++) _&gt;</a:t>
+            </a:r>
+            <a:r>
+              <a:rPr lang="en-US" dirty="0" smtClean="0"/>
+              <a:t>we use </a:t>
+            </a:r>
+            <a:r>
+              <a:rPr lang="en-US" dirty="0" err="1" smtClean="0"/>
+              <a:t>i</a:t>
+            </a:r>
+            <a:r>
+              <a:rPr lang="en-US" dirty="0" smtClean="0"/>
+              <a:t>++ in our statement if we want to use the current value, and then we want to increment the value of </a:t>
+            </a:r>
+            <a:r>
+              <a:rPr lang="en-US" b="1" dirty="0" err="1" smtClean="0"/>
+              <a:t>i</a:t>
+            </a:r>
+            <a:r>
+              <a:rPr lang="en-US" dirty="0" smtClean="0"/>
+              <a:t> by 1</a:t>
+            </a:r>
+            <a:endParaRPr lang="en-US" b="1" dirty="0" smtClean="0"/>
+          </a:p>
+          <a:p>
+            <a:r>
+              <a:rPr lang="en-US" b="1" dirty="0" smtClean="0"/>
+              <a:t>Pre-Increment(++</a:t>
+            </a:r>
+            <a:r>
+              <a:rPr lang="en-US" b="1" dirty="0" err="1" smtClean="0"/>
+              <a:t>i</a:t>
+            </a:r>
+            <a:r>
+              <a:rPr lang="en-US" b="1" dirty="0" smtClean="0"/>
+              <a:t>)-&gt;</a:t>
+            </a:r>
+            <a:r>
+              <a:rPr lang="en-US" dirty="0" smtClean="0"/>
+              <a:t>We use ++</a:t>
+            </a:r>
+            <a:r>
+              <a:rPr lang="en-US" dirty="0" err="1" smtClean="0"/>
+              <a:t>i</a:t>
+            </a:r>
+            <a:r>
+              <a:rPr lang="en-US" dirty="0" smtClean="0"/>
+              <a:t> in our statement if we want to increment the value of </a:t>
+            </a:r>
+            <a:r>
+              <a:rPr lang="en-US" b="1" dirty="0" err="1" smtClean="0"/>
+              <a:t>i</a:t>
+            </a:r>
+            <a:r>
+              <a:rPr lang="en-US" smtClean="0"/>
+              <a:t> by 1 and then use it in our statement</a:t>
+            </a:r>
+            <a:endParaRPr lang="en-US" dirty="0"/>
           </a:p>
         </p:txBody>
       </p:sp>
@@ -10545,7 +10600,7 @@
           <a:p>
             <a:r>
               <a:rPr lang="en-US" dirty="0" smtClean="0"/>
-              <a:t>Do -while</a:t>
+              <a:t>Control structures</a:t>
             </a:r>
             <a:endParaRPr lang="en-US" dirty="0"/>
           </a:p>
@@ -10563,22 +10618,49 @@
         </p:nvSpPr>
         <p:spPr/>
         <p:txBody>
-          <a:bodyPr/>
-          <a:lstStyle/>
-          <a:p>
-            <a:r>
-              <a:rPr lang="en-US" dirty="0" smtClean="0"/>
-              <a:t>Java do-while loop is called an </a:t>
-            </a:r>
-            <a:r>
-              <a:rPr lang="en-US" b="1" dirty="0" smtClean="0"/>
-              <a:t>exit control loop</a:t>
-            </a:r>
-            <a:r>
-              <a:rPr lang="en-US" dirty="0" smtClean="0"/>
-              <a:t>. Therefore, unlike while loop and for loop, the do-while check the condition at the end of loop body</a:t>
-            </a:r>
-            <a:endParaRPr lang="en-US" dirty="0"/>
+          <a:bodyPr>
+            <a:normAutofit lnSpcReduction="10000"/>
+          </a:bodyPr>
+          <a:lstStyle/>
+          <a:p>
+            <a:r>
+              <a:rPr lang="en-US" dirty="0" smtClean="0"/>
+              <a:t>The </a:t>
+            </a:r>
+            <a:r>
+              <a:rPr lang="en-US" i="1" dirty="0" smtClean="0"/>
+              <a:t>while loop</a:t>
+            </a:r>
+            <a:r>
+              <a:rPr lang="en-US" dirty="0" smtClean="0"/>
+              <a:t> is used to iterate a part of the </a:t>
+            </a:r>
+            <a:r>
+              <a:rPr lang="en-US" dirty="0" err="1" smtClean="0"/>
+              <a:t>programe</a:t>
+            </a:r>
+            <a:r>
+              <a:rPr lang="en-US" dirty="0" smtClean="0"/>
+              <a:t> repeatedly until the specified Boolean condition is true. </a:t>
+            </a:r>
+          </a:p>
+          <a:p>
+            <a:r>
+              <a:rPr lang="en-US" dirty="0" smtClean="0"/>
+              <a:t>When the Boolean condition becomes false, the loop automatically stops.</a:t>
+            </a:r>
+          </a:p>
+          <a:p>
+            <a:r>
+              <a:rPr lang="en-US" dirty="0" smtClean="0"/>
+              <a:t>The while loop is considered as a repeating if statement. </a:t>
+            </a:r>
+          </a:p>
+          <a:p>
+            <a:r>
+              <a:rPr lang="en-US" dirty="0" smtClean="0"/>
+              <a:t>If the number of iteration is not fixed, it is recommended to use the while loop</a:t>
+            </a:r>
           </a:p>
         </p:txBody>
       </p:sp>
@@ -10624,7 +10706,7 @@
           <a:p>
             <a:r>
               <a:rPr lang="en-US" dirty="0" smtClean="0"/>
-              <a:t>Switch</a:t>
+              <a:t>Do -while</a:t>
             </a:r>
             <a:endParaRPr lang="en-US" dirty="0"/>
           </a:p>
@@ -10647,43 +10729,15 @@
           <a:p>
             <a:r>
               <a:rPr lang="en-US" dirty="0" smtClean="0"/>
-              <a:t>The Java </a:t>
-            </a:r>
-            <a:r>
-              <a:rPr lang="en-US" i="1" dirty="0" smtClean="0"/>
-              <a:t>switch statement</a:t>
-            </a:r>
-            <a:r>
-              <a:rPr lang="en-US" dirty="0" smtClean="0"/>
-              <a:t> executes one statement from multiple conditions</a:t>
-            </a:r>
-          </a:p>
-          <a:p>
-            <a:r>
-              <a:rPr lang="en-US" dirty="0" smtClean="0"/>
-              <a:t>Each case statement can have a </a:t>
-            </a:r>
-            <a:r>
-              <a:rPr lang="en-US" i="1" dirty="0" smtClean="0"/>
-              <a:t>break statement</a:t>
-            </a:r>
-            <a:r>
-              <a:rPr lang="en-US" dirty="0" smtClean="0"/>
-              <a:t> which is optional. When control reaches to the break statement</a:t>
-            </a:r>
-          </a:p>
-          <a:p>
-            <a:r>
-              <a:rPr lang="en-US" dirty="0" smtClean="0"/>
-              <a:t>The case value can have a </a:t>
-            </a:r>
-            <a:r>
-              <a:rPr lang="en-US" i="1" dirty="0" smtClean="0"/>
-              <a:t>default label</a:t>
-            </a:r>
-            <a:r>
-              <a:rPr lang="en-US" dirty="0" smtClean="0"/>
-              <a:t> which is optional</a:t>
+              <a:t>Java do-while loop is called an </a:t>
+            </a:r>
+            <a:r>
+              <a:rPr lang="en-US" b="1" dirty="0" smtClean="0"/>
+              <a:t>exit control loop</a:t>
+            </a:r>
+            <a:r>
+              <a:rPr lang="en-US" dirty="0" smtClean="0"/>
+              <a:t>. Therefore, unlike while loop and for loop, the do-while check the condition at the end of loop body</a:t>
             </a:r>
             <a:endParaRPr lang="en-US" dirty="0"/>
           </a:p>
@@ -10731,7 +10785,7 @@
           <a:p>
             <a:r>
               <a:rPr lang="en-US" dirty="0" smtClean="0"/>
-              <a:t>Break</a:t>
+              <a:t>Switch</a:t>
             </a:r>
             <a:endParaRPr lang="en-US" dirty="0"/>
           </a:p>
@@ -10754,19 +10808,43 @@
           <a:p>
             <a:r>
               <a:rPr lang="en-US" dirty="0" smtClean="0"/>
-              <a:t>When a break statement is encountered inside a loop, the loop is immediately terminated and the program control resumes at the next statement following the loop</a:t>
-            </a:r>
-          </a:p>
-          <a:p>
-            <a:r>
-              <a:rPr lang="en-US" dirty="0" smtClean="0"/>
-              <a:t>It breaks the current flow of the program at specified condition</a:t>
-            </a:r>
-          </a:p>
-          <a:p>
-            <a:r>
-              <a:rPr lang="en-US" dirty="0" smtClean="0"/>
-              <a:t>In case of inner loop, it breaks only inner loop</a:t>
+              <a:t>The Java </a:t>
+            </a:r>
+            <a:r>
+              <a:rPr lang="en-US" i="1" dirty="0" smtClean="0"/>
+              <a:t>switch statement</a:t>
+            </a:r>
+            <a:r>
+              <a:rPr lang="en-US" dirty="0" smtClean="0"/>
+              <a:t> executes one statement from multiple conditions</a:t>
+            </a:r>
+          </a:p>
+          <a:p>
+            <a:r>
+              <a:rPr lang="en-US" dirty="0" smtClean="0"/>
+              <a:t>Each case statement can have a </a:t>
+            </a:r>
+            <a:r>
+              <a:rPr lang="en-US" i="1" dirty="0" smtClean="0"/>
+              <a:t>break statement</a:t>
+            </a:r>
+            <a:r>
+              <a:rPr lang="en-US" dirty="0" smtClean="0"/>
+              <a:t> which is optional. When control reaches to the break statement</a:t>
+            </a:r>
+          </a:p>
+          <a:p>
+            <a:r>
+              <a:rPr lang="en-US" dirty="0" smtClean="0"/>
+              <a:t>The case value can have a </a:t>
+            </a:r>
+            <a:r>
+              <a:rPr lang="en-US" i="1" dirty="0" smtClean="0"/>
+              <a:t>default label</a:t>
+            </a:r>
+            <a:r>
+              <a:rPr lang="en-US" dirty="0" smtClean="0"/>
+              <a:t> which is optional</a:t>
             </a:r>
             <a:endParaRPr lang="en-US" dirty="0"/>
           </a:p>
@@ -10781,6 +10859,89 @@
 </file>
 
 <file path=ppt/slides/slide47.xml><?xml version="1.0" encoding="utf-8"?>
+<p:sld xmlns:a="http://schemas.openxmlformats.org/drawingml/2006/main" xmlns:r="http://schemas.openxmlformats.org/officeDocument/2006/relationships" xmlns:p="http://schemas.openxmlformats.org/presentationml/2006/main">
+  <p:cSld>
+    <p:spTree>
+      <p:nvGrpSpPr>
+        <p:cNvPr id="1" name=""/>
+        <p:cNvGrpSpPr/>
+        <p:nvPr/>
+      </p:nvGrpSpPr>
+      <p:grpSpPr>
+        <a:xfrm>
+          <a:off x="0" y="0"/>
+          <a:ext cx="0" cy="0"/>
+          <a:chOff x="0" y="0"/>
+          <a:chExt cx="0" cy="0"/>
+        </a:xfrm>
+      </p:grpSpPr>
+      <p:sp>
+        <p:nvSpPr>
+          <p:cNvPr id="2" name="Title 1"/>
+          <p:cNvSpPr>
+            <a:spLocks noGrp="1"/>
+          </p:cNvSpPr>
+          <p:nvPr>
+            <p:ph type="title"/>
+          </p:nvPr>
+        </p:nvSpPr>
+        <p:spPr/>
+        <p:txBody>
+          <a:bodyPr/>
+          <a:lstStyle/>
+          <a:p>
+            <a:r>
+              <a:rPr lang="en-US" dirty="0" smtClean="0"/>
+              <a:t>Break</a:t>
+            </a:r>
+            <a:endParaRPr lang="en-US" dirty="0"/>
+          </a:p>
+        </p:txBody>
+      </p:sp>
+      <p:sp>
+        <p:nvSpPr>
+          <p:cNvPr id="3" name="Content Placeholder 2"/>
+          <p:cNvSpPr>
+            <a:spLocks noGrp="1"/>
+          </p:cNvSpPr>
+          <p:nvPr>
+            <p:ph idx="1"/>
+          </p:nvPr>
+        </p:nvSpPr>
+        <p:spPr/>
+        <p:txBody>
+          <a:bodyPr/>
+          <a:lstStyle/>
+          <a:p>
+            <a:r>
+              <a:rPr lang="en-US" dirty="0" smtClean="0"/>
+              <a:t>When a break statement is encountered inside a loop, the loop is immediately terminated and the program control resumes at the next statement following the loop</a:t>
+            </a:r>
+          </a:p>
+          <a:p>
+            <a:r>
+              <a:rPr lang="en-US" dirty="0" smtClean="0"/>
+              <a:t>It breaks the current flow of the program at specified condition</a:t>
+            </a:r>
+          </a:p>
+          <a:p>
+            <a:r>
+              <a:rPr lang="en-US" dirty="0" smtClean="0"/>
+              <a:t>In case of inner loop, it breaks only inner loop</a:t>
+            </a:r>
+            <a:endParaRPr lang="en-US" dirty="0"/>
+          </a:p>
+        </p:txBody>
+      </p:sp>
+    </p:spTree>
+  </p:cSld>
+  <p:clrMapOvr>
+    <a:masterClrMapping/>
+  </p:clrMapOvr>
+</p:sld>
+</file>
+
+<file path=ppt/slides/slide48.xml><?xml version="1.0" encoding="utf-8"?>
 <p:sld xmlns:a="http://schemas.openxmlformats.org/drawingml/2006/main" xmlns:r="http://schemas.openxmlformats.org/officeDocument/2006/relationships" xmlns:p="http://schemas.openxmlformats.org/presentationml/2006/main">
   <p:cSld>
     <p:spTree>

--- a/PowerPoints/Module_3/Module3_Fundamental_of_Java_Programming.pptx
+++ b/PowerPoints/Module_3/Module3_Fundamental_of_Java_Programming.pptx
@@ -8108,8 +8108,8 @@
           <a:lstStyle/>
           <a:p>
             <a:r>
-              <a:rPr lang="en-US" dirty="0" err="1" smtClean="0"/>
-              <a:t>Prmitive</a:t>
+              <a:rPr lang="en-US" dirty="0" smtClean="0"/>
+              <a:t>Primitive</a:t>
             </a:r>
             <a:endParaRPr lang="en-US" dirty="0"/>
           </a:p>
@@ -8449,7 +8449,7 @@
         <p:spPr/>
         <p:txBody>
           <a:bodyPr>
-            <a:normAutofit lnSpcReduction="10000"/>
+            <a:normAutofit fontScale="85000" lnSpcReduction="20000"/>
           </a:bodyPr>
           <a:lstStyle/>
           <a:p>
@@ -8464,8 +8464,22 @@
           <a:p>
             <a:r>
               <a:rPr lang="en-US" dirty="0" smtClean="0"/>
-              <a:t>Multi – line comments. /* */</a:t>
-            </a:r>
+              <a:t>Multi – line comments. /* </a:t>
+            </a:r>
+            <a:endParaRPr lang="en-US" dirty="0" smtClean="0"/>
+          </a:p>
+          <a:p>
+            <a:endParaRPr lang="en-US" dirty="0" smtClean="0"/>
+          </a:p>
+          <a:p>
+            <a:pPr>
+              <a:buNone/>
+            </a:pPr>
+            <a:r>
+              <a:rPr lang="en-US" dirty="0" smtClean="0"/>
+              <a:t>    */</a:t>
+            </a:r>
+            <a:endParaRPr lang="en-US" dirty="0" smtClean="0"/>
           </a:p>
           <a:p>
             <a:endParaRPr lang="en-US" dirty="0" smtClean="0"/>
@@ -8564,7 +8578,7 @@
             </a:r>
             <a:r>
               <a:rPr lang="en-US" dirty="0" err="1" smtClean="0"/>
-              <a:t>UnBpxing</a:t>
+              <a:t>UnBoxing</a:t>
             </a:r>
             <a:endParaRPr lang="en-US" dirty="0"/>
           </a:p>
@@ -8592,27 +8606,44 @@
               <a:t>The conversion of primitive type to reference type/wrapper is called </a:t>
             </a:r>
             <a:r>
-              <a:rPr lang="en-US" sz="2200" b="1" dirty="0" err="1" smtClean="0">
-                <a:hlinkClick r:id="rId2"/>
-              </a:rPr>
+              <a:rPr lang="en-US" sz="2200" b="1" dirty="0" err="1" smtClean="0"/>
               <a:t>autoboxing</a:t>
             </a:r>
             <a:r>
+              <a:rPr lang="en-US" sz="2200" b="1" dirty="0" smtClean="0"/>
+              <a:t> </a:t>
+            </a:r>
+            <a:r>
               <a:rPr lang="en-US" sz="2200" dirty="0" smtClean="0"/>
-              <a:t> and the conversion of reference type/wrapper to primitive type is called </a:t>
-            </a:r>
-            <a:r>
-              <a:rPr lang="en-US" sz="2200" b="1" dirty="0" err="1" smtClean="0">
-                <a:hlinkClick r:id="rId2"/>
-              </a:rPr>
+              <a:t>and </a:t>
+            </a:r>
+            <a:r>
+              <a:rPr lang="en-US" sz="2200" dirty="0" smtClean="0"/>
+              <a:t>the conversion of reference type/wrapper to primitive type is called </a:t>
+            </a:r>
+            <a:r>
+              <a:rPr lang="en-US" sz="2200" b="1" dirty="0" err="1" smtClean="0"/>
               <a:t>unboxing</a:t>
             </a:r>
             <a:r>
+              <a:rPr lang="en-US" sz="2200" b="1" dirty="0" smtClean="0"/>
+              <a:t> Java 1.5</a:t>
+            </a:r>
+            <a:endParaRPr lang="en-US" sz="2200" dirty="0" smtClean="0"/>
+          </a:p>
+          <a:p>
+            <a:r>
               <a:rPr lang="en-US" sz="2200" dirty="0" smtClean="0"/>
-              <a:t>.</a:t>
-            </a:r>
-          </a:p>
-          <a:p>
+              <a:t>&lt;</a:t>
+            </a:r>
+            <a:r>
+              <a:rPr lang="en-US" sz="2200" dirty="0" err="1" smtClean="0"/>
+              <a:t>Autoboxing</a:t>
+            </a:r>
+            <a:r>
+              <a:rPr lang="en-US" sz="2200" dirty="0" smtClean="0"/>
+              <a:t>&gt;</a:t>
+            </a:r>
             <a:endParaRPr lang="en-US" sz="2200" dirty="0" smtClean="0"/>
           </a:p>
           <a:p>
@@ -8637,10 +8668,37 @@
             </a:r>
             <a:r>
               <a:rPr lang="en-US" sz="2400" dirty="0" smtClean="0"/>
-              <a:t> Integer(a)</a:t>
-            </a:r>
-          </a:p>
-          <a:p>
+              <a:t> </a:t>
+            </a:r>
+            <a:r>
+              <a:rPr lang="en-US" sz="2400" dirty="0" smtClean="0"/>
+              <a:t>Integer(a)</a:t>
+            </a:r>
+          </a:p>
+          <a:p>
+            <a:r>
+              <a:rPr lang="en-US" sz="2400" dirty="0" err="1" smtClean="0"/>
+              <a:t>S.op</a:t>
+            </a:r>
+            <a:r>
+              <a:rPr lang="en-US" sz="2400" dirty="0" smtClean="0"/>
+              <a:t>()</a:t>
+            </a:r>
+            <a:endParaRPr lang="en-US" sz="2400" dirty="0" smtClean="0"/>
+          </a:p>
+          <a:p>
+            <a:r>
+              <a:rPr lang="en-US" sz="2400" dirty="0" smtClean="0"/>
+              <a:t>&lt;</a:t>
+            </a:r>
+            <a:r>
+              <a:rPr lang="en-US" sz="2400" dirty="0" err="1" smtClean="0"/>
+              <a:t>Unboxing</a:t>
+            </a:r>
+            <a:r>
+              <a:rPr lang="en-US" sz="2400" dirty="0" smtClean="0"/>
+              <a:t>&gt;</a:t>
+            </a:r>
             <a:endParaRPr lang="en-US" sz="2400" dirty="0" smtClean="0"/>
           </a:p>
           <a:p>
@@ -8952,13 +9010,21 @@
           <a:p>
             <a:r>
               <a:rPr lang="en-US" sz="1400" dirty="0" smtClean="0"/>
-              <a:t>instance variable</a:t>
-            </a:r>
-          </a:p>
-          <a:p>
+              <a:t>*instance </a:t>
+            </a:r>
             <a:r>
               <a:rPr lang="en-US" sz="1400" dirty="0" smtClean="0"/>
-              <a:t>static variable</a:t>
+              <a:t>variable</a:t>
+            </a:r>
+          </a:p>
+          <a:p>
+            <a:r>
+              <a:rPr lang="en-US" sz="1400" dirty="0" smtClean="0"/>
+              <a:t>*static </a:t>
+            </a:r>
+            <a:r>
+              <a:rPr lang="en-US" sz="1400" dirty="0" smtClean="0"/>
+              <a:t>variable</a:t>
             </a:r>
           </a:p>
           <a:p>
@@ -9792,8 +9858,13 @@
             </a:pPr>
             <a:r>
               <a:rPr lang="en-US" dirty="0" smtClean="0"/>
-              <a:t>    x += 5;</a:t>
-            </a:r>
+              <a:t>    x += 5</a:t>
+            </a:r>
+            <a:r>
+              <a:rPr lang="en-US" dirty="0" smtClean="0"/>
+              <a:t>;</a:t>
+            </a:r>
+            <a:endParaRPr lang="en-US" dirty="0" smtClean="0"/>
           </a:p>
           <a:p>
             <a:pPr>
@@ -10435,9 +10506,38 @@
           </a:bodyPr>
           <a:lstStyle/>
           <a:p>
-            <a:r>
-              <a:rPr lang="en-US" dirty="0" smtClean="0"/>
-              <a:t>++</a:t>
+            <a:endParaRPr lang="en-US" dirty="0" smtClean="0"/>
+          </a:p>
+          <a:p>
+            <a:r>
+              <a:rPr lang="en-US" dirty="0" smtClean="0"/>
+              <a:t>If </a:t>
+            </a:r>
+            <a:r>
+              <a:rPr lang="en-US" b="1" dirty="0" smtClean="0"/>
+              <a:t>++ </a:t>
+            </a:r>
+            <a:r>
+              <a:rPr lang="en-US" dirty="0" smtClean="0"/>
+              <a:t>precedes the variable, it is called pre-increment operator and it comes after a variable, it is called post-increment operator.</a:t>
+            </a:r>
+          </a:p>
+          <a:p>
+            <a:r>
+              <a:rPr lang="en-US" b="1" dirty="0" smtClean="0"/>
+              <a:t>Post-Increment (</a:t>
+            </a:r>
+            <a:r>
+              <a:rPr lang="en-US" b="1" dirty="0" err="1" smtClean="0"/>
+              <a:t>i</a:t>
+            </a:r>
+            <a:r>
+              <a:rPr lang="en-US" b="1" dirty="0" smtClean="0"/>
+              <a:t>++) _&gt;</a:t>
+            </a:r>
+            <a:r>
+              <a:rPr lang="en-US" dirty="0" smtClean="0"/>
+              <a:t>we use </a:t>
             </a:r>
             <a:r>
               <a:rPr lang="en-US" dirty="0" err="1" smtClean="0"/>
@@ -10445,7 +10545,34 @@
             </a:r>
             <a:r>
               <a:rPr lang="en-US" dirty="0" smtClean="0"/>
-              <a:t> and </a:t>
+              <a:t>++ in our statement if we want to use the current value, and then we want to increment the value of </a:t>
+            </a:r>
+            <a:r>
+              <a:rPr lang="en-US" b="1" dirty="0" err="1" smtClean="0"/>
+              <a:t>i</a:t>
+            </a:r>
+            <a:r>
+              <a:rPr lang="en-US" dirty="0" smtClean="0"/>
+              <a:t> by 1</a:t>
+            </a:r>
+            <a:endParaRPr lang="en-US" b="1" dirty="0" smtClean="0"/>
+          </a:p>
+          <a:p>
+            <a:r>
+              <a:rPr lang="en-US" b="1" dirty="0" smtClean="0"/>
+              <a:t>Pre-Increment(++</a:t>
+            </a:r>
+            <a:r>
+              <a:rPr lang="en-US" b="1" dirty="0" err="1" smtClean="0"/>
+              <a:t>i</a:t>
+            </a:r>
+            <a:r>
+              <a:rPr lang="en-US" b="1" dirty="0" smtClean="0"/>
+              <a:t>)-&gt;</a:t>
+            </a:r>
+            <a:r>
+              <a:rPr lang="en-US" dirty="0" smtClean="0"/>
+              <a:t>We use ++</a:t>
             </a:r>
             <a:r>
               <a:rPr lang="en-US" dirty="0" err="1" smtClean="0"/>
@@ -10453,7 +10580,7 @@
             </a:r>
             <a:r>
               <a:rPr lang="en-US" dirty="0" smtClean="0"/>
-              <a:t>++ both increment the value of </a:t>
+              <a:t> in our statement if we want to increment the value of </a:t>
             </a:r>
             <a:r>
               <a:rPr lang="en-US" b="1" dirty="0" err="1" smtClean="0"/>
@@ -10461,97 +10588,6 @@
             </a:r>
             <a:r>
               <a:rPr lang="en-US" dirty="0" smtClean="0"/>
-              <a:t> by </a:t>
-            </a:r>
-            <a:r>
-              <a:rPr lang="en-US" dirty="0" smtClean="0"/>
-              <a:t>1</a:t>
-            </a:r>
-          </a:p>
-          <a:p>
-            <a:r>
-              <a:rPr lang="en-US" dirty="0" smtClean="0"/>
-              <a:t>If </a:t>
-            </a:r>
-            <a:r>
-              <a:rPr lang="en-US" b="1" dirty="0" smtClean="0"/>
-              <a:t>++ </a:t>
-            </a:r>
-            <a:r>
-              <a:rPr lang="en-US" dirty="0" smtClean="0"/>
-              <a:t>precedes the variable, it is called pre-increment operator and it comes after a variable, it is called post-increment operator</a:t>
-            </a:r>
-            <a:r>
-              <a:rPr lang="en-US" dirty="0" smtClean="0"/>
-              <a:t>.</a:t>
-            </a:r>
-          </a:p>
-          <a:p>
-            <a:r>
-              <a:rPr lang="en-US" b="1" dirty="0" smtClean="0"/>
-              <a:t>Post-Increment (</a:t>
-            </a:r>
-            <a:r>
-              <a:rPr lang="en-US" b="1" dirty="0" err="1" smtClean="0"/>
-              <a:t>i</a:t>
-            </a:r>
-            <a:r>
-              <a:rPr lang="en-US" b="1" dirty="0" smtClean="0"/>
-              <a:t>++) _&gt;</a:t>
-            </a:r>
-            <a:r>
-              <a:rPr lang="en-US" dirty="0" smtClean="0"/>
-              <a:t>we use </a:t>
-            </a:r>
-            <a:r>
-              <a:rPr lang="en-US" dirty="0" err="1" smtClean="0"/>
-              <a:t>i</a:t>
-            </a:r>
-            <a:r>
-              <a:rPr lang="en-US" dirty="0" smtClean="0"/>
-              <a:t>++ in our statement if we want to use the current value, and then we want to increment the value of </a:t>
-            </a:r>
-            <a:r>
-              <a:rPr lang="en-US" b="1" dirty="0" err="1" smtClean="0"/>
-              <a:t>i</a:t>
-            </a:r>
-            <a:r>
-              <a:rPr lang="en-US" dirty="0" smtClean="0"/>
-              <a:t> by 1</a:t>
-            </a:r>
-            <a:endParaRPr lang="en-US" b="1" dirty="0" smtClean="0"/>
-          </a:p>
-          <a:p>
-            <a:r>
-              <a:rPr lang="en-US" b="1" dirty="0" smtClean="0"/>
-              <a:t>Pre-Increment(++</a:t>
-            </a:r>
-            <a:r>
-              <a:rPr lang="en-US" b="1" dirty="0" err="1" smtClean="0"/>
-              <a:t>i</a:t>
-            </a:r>
-            <a:r>
-              <a:rPr lang="en-US" b="1" dirty="0" smtClean="0"/>
-              <a:t>)-&gt;</a:t>
-            </a:r>
-            <a:r>
-              <a:rPr lang="en-US" dirty="0" smtClean="0"/>
-              <a:t>We use ++</a:t>
-            </a:r>
-            <a:r>
-              <a:rPr lang="en-US" dirty="0" err="1" smtClean="0"/>
-              <a:t>i</a:t>
-            </a:r>
-            <a:r>
-              <a:rPr lang="en-US" dirty="0" smtClean="0"/>
-              <a:t> in our statement if we want to increment the value of </a:t>
-            </a:r>
-            <a:r>
-              <a:rPr lang="en-US" b="1" dirty="0" err="1" smtClean="0"/>
-              <a:t>i</a:t>
-            </a:r>
-            <a:r>
-              <a:rPr lang="en-US" smtClean="0"/>
               <a:t> by 1 and then use it in our statement</a:t>
             </a:r>
             <a:endParaRPr lang="en-US" dirty="0"/>
